--- a/Présentation/Architecture.pptx
+++ b/Présentation/Architecture.pptx
@@ -1203,7 +1203,7 @@
         <p:spPr>
           <a:xfrm>
             <a:off x="6299280" y="1676520"/>
-            <a:ext cx="2818440" cy="2818440"/>
+            <a:ext cx="2818080" cy="2818080"/>
           </a:xfrm>
           <a:prstGeom prst="ellipse">
             <a:avLst/>
@@ -1267,7 +1267,7 @@
         <p:spPr>
           <a:xfrm>
             <a:off x="5689800" y="-457200"/>
-            <a:ext cx="1599120" cy="1599120"/>
+            <a:ext cx="1598760" cy="1598760"/>
           </a:xfrm>
           <a:prstGeom prst="ellipse">
             <a:avLst/>
@@ -1331,7 +1331,7 @@
         <p:spPr>
           <a:xfrm>
             <a:off x="6299280" y="6095880"/>
-            <a:ext cx="989640" cy="989640"/>
+            <a:ext cx="989280" cy="989280"/>
           </a:xfrm>
           <a:prstGeom prst="ellipse">
             <a:avLst/>
@@ -1395,7 +1395,7 @@
         <p:spPr>
           <a:xfrm>
             <a:off x="-154080" y="2666880"/>
-            <a:ext cx="4190040" cy="4190040"/>
+            <a:ext cx="4189680" cy="4189680"/>
           </a:xfrm>
           <a:prstGeom prst="ellipse">
             <a:avLst/>
@@ -1459,7 +1459,7 @@
         <p:spPr>
           <a:xfrm>
             <a:off x="-839880" y="2895480"/>
-            <a:ext cx="2361240" cy="2361240"/>
+            <a:ext cx="2360880" cy="2360880"/>
           </a:xfrm>
           <a:prstGeom prst="ellipse">
             <a:avLst/>
@@ -1523,7 +1523,7 @@
         <p:spPr>
           <a:xfrm>
             <a:off x="7745760" y="0"/>
-            <a:ext cx="684720" cy="1098360"/>
+            <a:ext cx="684360" cy="1098000"/>
           </a:xfrm>
           <a:prstGeom prst="rect">
             <a:avLst/>
@@ -1776,7 +1776,7 @@
         <p:spPr>
           <a:xfrm>
             <a:off x="484560" y="452880"/>
-            <a:ext cx="7054200" cy="1399320"/>
+            <a:ext cx="7053840" cy="1398960"/>
           </a:xfrm>
           <a:prstGeom prst="rect">
             <a:avLst/>
@@ -1828,7 +1828,7 @@
         <p:spPr>
           <a:xfrm>
             <a:off x="7766280" y="295560"/>
-            <a:ext cx="627840" cy="766440"/>
+            <a:ext cx="627480" cy="766080"/>
           </a:xfrm>
           <a:prstGeom prst="rect">
             <a:avLst/>
@@ -1852,7 +1852,7 @@
                 <a:spcPct val="100000"/>
               </a:lnSpc>
             </a:pPr>
-            <a:fld id="{94DF6CAD-0821-4A86-9165-63E441536A95}" type="slidenum">
+            <a:fld id="{465C6E53-9046-4A70-BAC5-557E74516072}" type="slidenum">
               <a:rPr lang="en-US" sz="2800" spc="-1" strike="noStrike">
                 <a:solidFill>
                   <a:srgbClr val="ffffff"/>
@@ -1883,8 +1883,8 @@
         </p:blipFill>
         <p:spPr>
           <a:xfrm>
-            <a:off x="182880" y="1670040"/>
-            <a:ext cx="8752320" cy="4364280"/>
+            <a:off x="0" y="1645920"/>
+            <a:ext cx="9143640" cy="4559760"/>
           </a:xfrm>
           <a:prstGeom prst="rect">
             <a:avLst/>
@@ -1952,7 +1952,7 @@
         <p:spPr>
           <a:xfrm>
             <a:off x="484560" y="452880"/>
-            <a:ext cx="7054200" cy="1399320"/>
+            <a:ext cx="7053840" cy="1398960"/>
           </a:xfrm>
           <a:prstGeom prst="rect">
             <a:avLst/>
@@ -2004,7 +2004,7 @@
         <p:spPr>
           <a:xfrm>
             <a:off x="827640" y="2053080"/>
-            <a:ext cx="6710400" cy="4194360"/>
+            <a:ext cx="6710040" cy="4194000"/>
           </a:xfrm>
           <a:prstGeom prst="rect">
             <a:avLst/>
@@ -2023,7 +2023,7 @@
         <p:txBody>
           <a:bodyPr lIns="90000" rIns="90000" tIns="45000" bIns="45000"/>
           <a:p>
-            <a:pPr marL="343080" indent="-342000">
+            <a:pPr marL="343080" indent="-341640">
               <a:lnSpc>
                 <a:spcPct val="100000"/>
               </a:lnSpc>
@@ -2052,7 +2052,7 @@
             <a:endParaRPr/>
           </a:p>
           <a:p>
-            <a:pPr lvl="1" marL="743040" indent="-284760">
+            <a:pPr lvl="1" marL="743040" indent="-284400">
               <a:lnSpc>
                 <a:spcPct val="100000"/>
               </a:lnSpc>
@@ -2081,7 +2081,7 @@
             <a:endParaRPr/>
           </a:p>
           <a:p>
-            <a:pPr lvl="1" marL="743040" indent="-284760">
+            <a:pPr lvl="1" marL="743040" indent="-284400">
               <a:lnSpc>
                 <a:spcPct val="100000"/>
               </a:lnSpc>
@@ -2110,7 +2110,7 @@
             <a:endParaRPr/>
           </a:p>
           <a:p>
-            <a:pPr lvl="1" marL="743040" indent="-284760">
+            <a:pPr lvl="1" marL="743040" indent="-284400">
               <a:lnSpc>
                 <a:spcPct val="100000"/>
               </a:lnSpc>
@@ -2139,7 +2139,7 @@
             <a:endParaRPr/>
           </a:p>
           <a:p>
-            <a:pPr marL="343080" indent="-342000">
+            <a:pPr marL="343080" indent="-341640">
               <a:lnSpc>
                 <a:spcPct val="100000"/>
               </a:lnSpc>
@@ -2183,7 +2183,7 @@
             <a:endParaRPr/>
           </a:p>
           <a:p>
-            <a:pPr lvl="1" marL="743040" indent="-284760">
+            <a:pPr lvl="1" marL="743040" indent="-284400">
               <a:lnSpc>
                 <a:spcPct val="100000"/>
               </a:lnSpc>
@@ -2212,7 +2212,7 @@
             <a:endParaRPr/>
           </a:p>
           <a:p>
-            <a:pPr lvl="1" marL="743040" indent="-284760">
+            <a:pPr lvl="1" marL="743040" indent="-284400">
               <a:lnSpc>
                 <a:spcPct val="100000"/>
               </a:lnSpc>
@@ -2241,7 +2241,7 @@
             <a:endParaRPr/>
           </a:p>
           <a:p>
-            <a:pPr marL="343080" indent="-342000">
+            <a:pPr marL="343080" indent="-341640">
               <a:lnSpc>
                 <a:spcPct val="100000"/>
               </a:lnSpc>
@@ -2270,7 +2270,7 @@
             <a:endParaRPr/>
           </a:p>
           <a:p>
-            <a:pPr lvl="1" marL="743040" indent="-284760">
+            <a:pPr lvl="1" marL="743040" indent="-284400">
               <a:lnSpc>
                 <a:spcPct val="100000"/>
               </a:lnSpc>
@@ -2299,7 +2299,7 @@
             <a:endParaRPr/>
           </a:p>
           <a:p>
-            <a:pPr lvl="1" marL="743040" indent="-284760">
+            <a:pPr lvl="1" marL="743040" indent="-284400">
               <a:lnSpc>
                 <a:spcPct val="100000"/>
               </a:lnSpc>
@@ -2328,7 +2328,7 @@
             <a:endParaRPr/>
           </a:p>
           <a:p>
-            <a:pPr lvl="1" marL="743040" indent="-284760">
+            <a:pPr lvl="1" marL="743040" indent="-284400">
               <a:lnSpc>
                 <a:spcPct val="100000"/>
               </a:lnSpc>
@@ -2375,7 +2375,7 @@
         <p:spPr>
           <a:xfrm>
             <a:off x="7766280" y="295560"/>
-            <a:ext cx="627840" cy="766440"/>
+            <a:ext cx="627480" cy="766080"/>
           </a:xfrm>
           <a:prstGeom prst="rect">
             <a:avLst/>
@@ -2399,7 +2399,7 @@
                 <a:spcPct val="100000"/>
               </a:lnSpc>
             </a:pPr>
-            <a:fld id="{998737CC-55B4-428D-9646-EDB6EFA93020}" type="slidenum">
+            <a:fld id="{E94A4723-A042-4141-9F0F-F0610A822B1D}" type="slidenum">
               <a:rPr lang="en-US" sz="2800" spc="-1" strike="noStrike">
                 <a:solidFill>
                   <a:srgbClr val="ffffff"/>
@@ -2476,7 +2476,7 @@
         <p:spPr>
           <a:xfrm>
             <a:off x="484560" y="452880"/>
-            <a:ext cx="7054200" cy="1399320"/>
+            <a:ext cx="7053840" cy="1398960"/>
           </a:xfrm>
           <a:prstGeom prst="rect">
             <a:avLst/>
@@ -2546,7 +2546,7 @@
         <p:spPr>
           <a:xfrm>
             <a:off x="827640" y="2560320"/>
-            <a:ext cx="6710400" cy="2884680"/>
+            <a:ext cx="6710040" cy="2884320"/>
           </a:xfrm>
           <a:prstGeom prst="rect">
             <a:avLst/>
@@ -2565,7 +2565,7 @@
         <p:txBody>
           <a:bodyPr lIns="90000" rIns="90000" tIns="45000" bIns="45000"/>
           <a:p>
-            <a:pPr marL="343080" indent="-342000">
+            <a:pPr marL="343080" indent="-341640">
               <a:lnSpc>
                 <a:spcPct val="100000"/>
               </a:lnSpc>
@@ -2594,7 +2594,7 @@
             <a:endParaRPr/>
           </a:p>
           <a:p>
-            <a:pPr lvl="1" marL="743040" indent="-284760">
+            <a:pPr lvl="1" marL="743040" indent="-284400">
               <a:lnSpc>
                 <a:spcPct val="100000"/>
               </a:lnSpc>
@@ -2623,7 +2623,7 @@
             <a:endParaRPr/>
           </a:p>
           <a:p>
-            <a:pPr lvl="1" marL="743040" indent="-284760">
+            <a:pPr lvl="1" marL="743040" indent="-284400">
               <a:lnSpc>
                 <a:spcPct val="100000"/>
               </a:lnSpc>
@@ -2652,7 +2652,7 @@
             <a:endParaRPr/>
           </a:p>
           <a:p>
-            <a:pPr marL="343080" indent="-342000">
+            <a:pPr marL="343080" indent="-341640">
               <a:lnSpc>
                 <a:spcPct val="100000"/>
               </a:lnSpc>
@@ -2681,7 +2681,7 @@
             <a:endParaRPr/>
           </a:p>
           <a:p>
-            <a:pPr lvl="1" marL="743040" indent="-284760">
+            <a:pPr lvl="1" marL="743040" indent="-284400">
               <a:lnSpc>
                 <a:spcPct val="100000"/>
               </a:lnSpc>
@@ -2710,7 +2710,7 @@
             <a:endParaRPr/>
           </a:p>
           <a:p>
-            <a:pPr lvl="1" marL="743040" indent="-284760">
+            <a:pPr lvl="1" marL="743040" indent="-284400">
               <a:lnSpc>
                 <a:spcPct val="100000"/>
               </a:lnSpc>
@@ -2757,7 +2757,7 @@
         <p:spPr>
           <a:xfrm>
             <a:off x="7766280" y="295560"/>
-            <a:ext cx="627840" cy="766440"/>
+            <a:ext cx="627480" cy="766080"/>
           </a:xfrm>
           <a:prstGeom prst="rect">
             <a:avLst/>
@@ -2781,7 +2781,7 @@
                 <a:spcPct val="100000"/>
               </a:lnSpc>
             </a:pPr>
-            <a:fld id="{14D3521A-B0CB-4DF3-BCAD-F8CF28682998}" type="slidenum">
+            <a:fld id="{0B0BDED7-0A3D-4337-8115-E5C05684EFEC}" type="slidenum">
               <a:rPr lang="en-US" sz="2800" spc="-1" strike="noStrike">
                 <a:solidFill>
                   <a:srgbClr val="ffffff"/>
@@ -2858,7 +2858,7 @@
         <p:spPr>
           <a:xfrm>
             <a:off x="484560" y="452880"/>
-            <a:ext cx="7054200" cy="1399320"/>
+            <a:ext cx="7053840" cy="1398960"/>
           </a:xfrm>
           <a:prstGeom prst="rect">
             <a:avLst/>
@@ -2928,7 +2928,7 @@
         <p:spPr>
           <a:xfrm>
             <a:off x="827640" y="2663640"/>
-            <a:ext cx="6710400" cy="2182680"/>
+            <a:ext cx="6710040" cy="2182320"/>
           </a:xfrm>
           <a:prstGeom prst="rect">
             <a:avLst/>
@@ -2947,7 +2947,7 @@
         <p:txBody>
           <a:bodyPr lIns="90000" rIns="90000" tIns="45000" bIns="45000"/>
           <a:p>
-            <a:pPr marL="343080" indent="-342000">
+            <a:pPr marL="343080" indent="-341640">
               <a:lnSpc>
                 <a:spcPct val="100000"/>
               </a:lnSpc>
@@ -2976,7 +2976,7 @@
             <a:endParaRPr/>
           </a:p>
           <a:p>
-            <a:pPr marL="343080" indent="-342000">
+            <a:pPr marL="343080" indent="-341640">
               <a:lnSpc>
                 <a:spcPct val="100000"/>
               </a:lnSpc>
@@ -3005,7 +3005,7 @@
             <a:endParaRPr/>
           </a:p>
           <a:p>
-            <a:pPr lvl="1" marL="743040" indent="-284760">
+            <a:pPr lvl="1" marL="743040" indent="-284400">
               <a:lnSpc>
                 <a:spcPct val="100000"/>
               </a:lnSpc>
@@ -3034,7 +3034,7 @@
             <a:endParaRPr/>
           </a:p>
           <a:p>
-            <a:pPr lvl="1" marL="743040" indent="-284760">
+            <a:pPr lvl="1" marL="743040" indent="-284400">
               <a:lnSpc>
                 <a:spcPct val="100000"/>
               </a:lnSpc>
@@ -3063,7 +3063,7 @@
             <a:endParaRPr/>
           </a:p>
           <a:p>
-            <a:pPr lvl="1" marL="743040" indent="-284760">
+            <a:pPr lvl="1" marL="743040" indent="-284400">
               <a:lnSpc>
                 <a:spcPct val="100000"/>
               </a:lnSpc>
@@ -3092,7 +3092,7 @@
             <a:endParaRPr/>
           </a:p>
           <a:p>
-            <a:pPr lvl="1" marL="743040" indent="-284760">
+            <a:pPr lvl="1" marL="743040" indent="-284400">
               <a:lnSpc>
                 <a:spcPct val="100000"/>
               </a:lnSpc>
@@ -3139,7 +3139,7 @@
         <p:spPr>
           <a:xfrm>
             <a:off x="7766280" y="295560"/>
-            <a:ext cx="627840" cy="766440"/>
+            <a:ext cx="627480" cy="766080"/>
           </a:xfrm>
           <a:prstGeom prst="rect">
             <a:avLst/>
@@ -3163,7 +3163,7 @@
                 <a:spcPct val="100000"/>
               </a:lnSpc>
             </a:pPr>
-            <a:fld id="{B8967040-B351-4172-92D7-61FB935EC80A}" type="slidenum">
+            <a:fld id="{74EEB5A6-7828-4286-8B49-4FACA1F40507}" type="slidenum">
               <a:rPr lang="en-US" sz="2800" spc="-1" strike="noStrike">
                 <a:solidFill>
                   <a:srgbClr val="ffffff"/>
@@ -3240,7 +3240,7 @@
         <p:spPr>
           <a:xfrm>
             <a:off x="484560" y="452880"/>
-            <a:ext cx="7054200" cy="1399320"/>
+            <a:ext cx="7053840" cy="1398960"/>
           </a:xfrm>
           <a:prstGeom prst="rect">
             <a:avLst/>
@@ -3310,7 +3310,7 @@
         <p:spPr>
           <a:xfrm>
             <a:off x="827640" y="2663640"/>
-            <a:ext cx="6710400" cy="2182680"/>
+            <a:ext cx="6710040" cy="2182320"/>
           </a:xfrm>
           <a:prstGeom prst="rect">
             <a:avLst/>
@@ -3329,7 +3329,7 @@
         <p:txBody>
           <a:bodyPr lIns="90000" rIns="90000" tIns="45000" bIns="45000"/>
           <a:p>
-            <a:pPr marL="343080" indent="-342000">
+            <a:pPr marL="343080" indent="-341640">
               <a:lnSpc>
                 <a:spcPct val="100000"/>
               </a:lnSpc>
@@ -3358,7 +3358,7 @@
             <a:endParaRPr/>
           </a:p>
           <a:p>
-            <a:pPr marL="343080" indent="-342000">
+            <a:pPr marL="343080" indent="-341640">
               <a:lnSpc>
                 <a:spcPct val="100000"/>
               </a:lnSpc>
@@ -3387,7 +3387,7 @@
             <a:endParaRPr/>
           </a:p>
           <a:p>
-            <a:pPr marL="343080" indent="-342000">
+            <a:pPr marL="343080" indent="-341640">
               <a:lnSpc>
                 <a:spcPct val="100000"/>
               </a:lnSpc>
@@ -3416,7 +3416,7 @@
             <a:endParaRPr/>
           </a:p>
           <a:p>
-            <a:pPr marL="343080" indent="-342000">
+            <a:pPr marL="343080" indent="-341640">
               <a:lnSpc>
                 <a:spcPct val="100000"/>
               </a:lnSpc>
@@ -3445,7 +3445,7 @@
             <a:endParaRPr/>
           </a:p>
           <a:p>
-            <a:pPr marL="343080" indent="-342000">
+            <a:pPr marL="343080" indent="-341640">
               <a:lnSpc>
                 <a:spcPct val="100000"/>
               </a:lnSpc>
@@ -3492,7 +3492,7 @@
         <p:spPr>
           <a:xfrm>
             <a:off x="7766280" y="295560"/>
-            <a:ext cx="627840" cy="766440"/>
+            <a:ext cx="627480" cy="766080"/>
           </a:xfrm>
           <a:prstGeom prst="rect">
             <a:avLst/>
@@ -3516,7 +3516,7 @@
                 <a:spcPct val="100000"/>
               </a:lnSpc>
             </a:pPr>
-            <a:fld id="{C1BA340C-91E0-4F85-9250-519BFDAA2E40}" type="slidenum">
+            <a:fld id="{ADD3DF4E-0AA3-45FF-9572-68DEC2DBDE96}" type="slidenum">
               <a:rPr lang="en-US" sz="2800" spc="-1" strike="noStrike">
                 <a:solidFill>
                   <a:srgbClr val="ffffff"/>
